--- a/Prototypes/Power Point Prototype/Einzeln/Main.pptx
+++ b/Prototypes/Power Point Prototype/Einzeln/Main.pptx
@@ -5269,6 +5269,115 @@
           </a:p>
         </p:txBody>
       </p:sp>
+      <p:sp>
+        <p:nvSpPr>
+          <p:cNvPr id="29" name="Rectangle à coins arrondis 28"/>
+          <p:cNvSpPr/>
+          <p:nvPr/>
+        </p:nvSpPr>
+        <p:spPr>
+          <a:xfrm>
+            <a:off x="323528" y="5445224"/>
+            <a:ext cx="1224136" cy="504056"/>
+          </a:xfrm>
+          <a:prstGeom prst="roundRect">
+            <a:avLst/>
+          </a:prstGeom>
+          <a:solidFill>
+            <a:schemeClr val="bg1"/>
+          </a:solidFill>
+        </p:spPr>
+        <p:style>
+          <a:lnRef idx="2">
+            <a:schemeClr val="accent1">
+              <a:shade val="50000"/>
+            </a:schemeClr>
+          </a:lnRef>
+          <a:fillRef idx="1">
+            <a:schemeClr val="accent1"/>
+          </a:fillRef>
+          <a:effectRef idx="0">
+            <a:schemeClr val="accent1"/>
+          </a:effectRef>
+          <a:fontRef idx="minor">
+            <a:schemeClr val="lt1"/>
+          </a:fontRef>
+        </p:style>
+        <p:txBody>
+          <a:bodyPr rtlCol="0" anchor="ctr"/>
+          <a:lstStyle/>
+          <a:p>
+            <a:r>
+              <a:rPr lang="de-CH" smtClean="0">
+                <a:solidFill>
+                  <a:schemeClr val="accent1"/>
+                </a:solidFill>
+              </a:rPr>
+              <a:t>Gender</a:t>
+            </a:r>
+            <a:endParaRPr lang="de-CH">
+              <a:solidFill>
+                <a:schemeClr val="accent1"/>
+              </a:solidFill>
+            </a:endParaRPr>
+          </a:p>
+        </p:txBody>
+      </p:sp>
+      <p:sp>
+        <p:nvSpPr>
+          <p:cNvPr id="30" name="Rectangle à coins arrondis 29"/>
+          <p:cNvSpPr/>
+          <p:nvPr/>
+        </p:nvSpPr>
+        <p:spPr>
+          <a:xfrm>
+            <a:off x="1187624" y="5445224"/>
+            <a:ext cx="360040" cy="504056"/>
+          </a:xfrm>
+          <a:prstGeom prst="roundRect">
+            <a:avLst/>
+          </a:prstGeom>
+          <a:solidFill>
+            <a:schemeClr val="bg1"/>
+          </a:solidFill>
+        </p:spPr>
+        <p:style>
+          <a:lnRef idx="2">
+            <a:schemeClr val="accent1">
+              <a:shade val="50000"/>
+            </a:schemeClr>
+          </a:lnRef>
+          <a:fillRef idx="1">
+            <a:schemeClr val="accent1"/>
+          </a:fillRef>
+          <a:effectRef idx="0">
+            <a:schemeClr val="accent1"/>
+          </a:effectRef>
+          <a:fontRef idx="minor">
+            <a:schemeClr val="lt1"/>
+          </a:fontRef>
+        </p:style>
+        <p:txBody>
+          <a:bodyPr rtlCol="0" anchor="ctr"/>
+          <a:lstStyle/>
+          <a:p>
+            <a:pPr algn="ctr"/>
+            <a:r>
+              <a:rPr lang="de-CH" smtClean="0">
+                <a:solidFill>
+                  <a:schemeClr val="tx2"/>
+                </a:solidFill>
+              </a:rPr>
+              <a:t>V</a:t>
+            </a:r>
+            <a:endParaRPr lang="de-CH">
+              <a:solidFill>
+                <a:schemeClr val="tx2"/>
+              </a:solidFill>
+            </a:endParaRPr>
+          </a:p>
+        </p:txBody>
+      </p:sp>
     </p:spTree>
   </p:cSld>
   <p:clrMapOvr>
@@ -5700,10 +5809,11 @@
                 <a:tableStyleId>{073A0DAA-6AF3-43AB-8588-CEC1D06C72B9}</a:tableStyleId>
               </a:tblPr>
               <a:tblGrid>
-                <a:gridCol w="2160240"/>
-                <a:gridCol w="2160240"/>
-                <a:gridCol w="2160240"/>
-                <a:gridCol w="2160240"/>
+                <a:gridCol w="1728192"/>
+                <a:gridCol w="1728192"/>
+                <a:gridCol w="1728192"/>
+                <a:gridCol w="1728192"/>
+                <a:gridCol w="1728192"/>
               </a:tblGrid>
               <a:tr h="370840">
                 <a:tc>
@@ -5714,6 +5824,20 @@
                       <a:r>
                         <a:rPr lang="de-CH" smtClean="0"/>
                         <a:t>Username</a:t>
+                      </a:r>
+                      <a:endParaRPr lang="de-CH"/>
+                    </a:p>
+                  </a:txBody>
+                  <a:tcPr/>
+                </a:tc>
+                <a:tc>
+                  <a:txBody>
+                    <a:bodyPr/>
+                    <a:lstStyle/>
+                    <a:p>
+                      <a:r>
+                        <a:rPr lang="de-CH" smtClean="0"/>
+                        <a:t>Gender</a:t>
                       </a:r>
                       <a:endParaRPr lang="de-CH"/>
                     </a:p>
@@ -5785,6 +5909,20 @@
                     <a:p>
                       <a:r>
                         <a:rPr lang="de-CH" smtClean="0"/>
+                        <a:t>male</a:t>
+                      </a:r>
+                      <a:endParaRPr lang="de-CH"/>
+                    </a:p>
+                  </a:txBody>
+                  <a:tcPr/>
+                </a:tc>
+                <a:tc>
+                  <a:txBody>
+                    <a:bodyPr/>
+                    <a:lstStyle/>
+                    <a:p>
+                      <a:r>
+                        <a:rPr lang="de-CH" smtClean="0"/>
                         <a:t>5.5</a:t>
                       </a:r>
                       <a:endParaRPr lang="de-CH"/>
@@ -5831,6 +5969,20 @@
                         <a:rPr lang="de-CH" smtClean="0"/>
                         <a:t>Tuto2</a:t>
                       </a:r>
+                    </a:p>
+                  </a:txBody>
+                  <a:tcPr/>
+                </a:tc>
+                <a:tc>
+                  <a:txBody>
+                    <a:bodyPr/>
+                    <a:lstStyle/>
+                    <a:p>
+                      <a:r>
+                        <a:rPr lang="de-CH" smtClean="0"/>
+                        <a:t>female</a:t>
+                      </a:r>
+                      <a:endParaRPr lang="de-CH"/>
                     </a:p>
                   </a:txBody>
                   <a:tcPr/>
@@ -5916,6 +6068,20 @@
                     <a:p>
                       <a:r>
                         <a:rPr lang="de-CH" smtClean="0"/>
+                        <a:t>female</a:t>
+                      </a:r>
+                      <a:endParaRPr lang="de-CH"/>
+                    </a:p>
+                  </a:txBody>
+                  <a:tcPr/>
+                </a:tc>
+                <a:tc>
+                  <a:txBody>
+                    <a:bodyPr/>
+                    <a:lstStyle/>
+                    <a:p>
+                      <a:r>
+                        <a:rPr lang="de-CH" smtClean="0"/>
                         <a:t>5.5</a:t>
                       </a:r>
                       <a:endParaRPr lang="de-CH"/>
@@ -5961,6 +6127,20 @@
                       <a:r>
                         <a:rPr lang="de-CH" smtClean="0"/>
                         <a:t>Tuto4</a:t>
+                      </a:r>
+                      <a:endParaRPr lang="de-CH"/>
+                    </a:p>
+                  </a:txBody>
+                  <a:tcPr/>
+                </a:tc>
+                <a:tc>
+                  <a:txBody>
+                    <a:bodyPr/>
+                    <a:lstStyle/>
+                    <a:p>
+                      <a:r>
+                        <a:rPr lang="de-CH" smtClean="0"/>
+                        <a:t>male</a:t>
                       </a:r>
                       <a:endParaRPr lang="de-CH"/>
                     </a:p>
@@ -6032,6 +6212,20 @@
                     <a:p>
                       <a:r>
                         <a:rPr lang="de-CH" smtClean="0"/>
+                        <a:t>female</a:t>
+                      </a:r>
+                      <a:endParaRPr lang="de-CH"/>
+                    </a:p>
+                  </a:txBody>
+                  <a:tcPr/>
+                </a:tc>
+                <a:tc>
+                  <a:txBody>
+                    <a:bodyPr/>
+                    <a:lstStyle/>
+                    <a:p>
+                      <a:r>
+                        <a:rPr lang="de-CH" smtClean="0"/>
                         <a:t>6</a:t>
                       </a:r>
                       <a:endParaRPr lang="de-CH"/>
@@ -6077,6 +6271,20 @@
                       <a:r>
                         <a:rPr lang="de-CH" smtClean="0"/>
                         <a:t>Tuto6</a:t>
+                      </a:r>
+                      <a:endParaRPr lang="de-CH"/>
+                    </a:p>
+                  </a:txBody>
+                  <a:tcPr/>
+                </a:tc>
+                <a:tc>
+                  <a:txBody>
+                    <a:bodyPr/>
+                    <a:lstStyle/>
+                    <a:p>
+                      <a:r>
+                        <a:rPr lang="de-CH" smtClean="0"/>
+                        <a:t>male</a:t>
                       </a:r>
                       <a:endParaRPr lang="de-CH"/>
                     </a:p>
@@ -6148,6 +6356,20 @@
                     <a:p>
                       <a:r>
                         <a:rPr lang="de-CH" smtClean="0"/>
+                        <a:t>male</a:t>
+                      </a:r>
+                      <a:endParaRPr lang="de-CH"/>
+                    </a:p>
+                  </a:txBody>
+                  <a:tcPr/>
+                </a:tc>
+                <a:tc>
+                  <a:txBody>
+                    <a:bodyPr/>
+                    <a:lstStyle/>
+                    <a:p>
+                      <a:r>
+                        <a:rPr lang="de-CH" smtClean="0"/>
                         <a:t>5.5</a:t>
                       </a:r>
                       <a:endParaRPr lang="de-CH"/>
@@ -6394,7 +6616,7 @@
         </p:nvSpPr>
         <p:spPr>
           <a:xfrm>
-            <a:off x="6804248" y="3356992"/>
+            <a:off x="7236296" y="3356992"/>
             <a:ext cx="1008112" cy="288032"/>
           </a:xfrm>
           <a:prstGeom prst="rect">
@@ -7001,9 +7223,15 @@
           <a:p>
             <a:r>
               <a:rPr lang="de-CH" smtClean="0"/>
-              <a:t>Jack</a:t>
-            </a:r>
-            <a:endParaRPr lang="de-CH"/>
+              <a:t>Jack    </a:t>
+            </a:r>
+            <a:r>
+              <a:rPr lang="de-CH" b="1" smtClean="0">
+                <a:latin typeface="Calibri"/>
+              </a:rPr>
+              <a:t>♂</a:t>
+            </a:r>
+            <a:endParaRPr lang="de-CH" b="1"/>
           </a:p>
         </p:txBody>
       </p:sp>
@@ -9664,7 +9892,7 @@
             <a:avLst/>
           </a:prstGeom>
           <a:solidFill>
-            <a:schemeClr val="tx2"/>
+            <a:schemeClr val="accent1"/>
           </a:solidFill>
         </p:spPr>
         <p:style>
@@ -9712,6 +9940,9 @@
           <a:prstGeom prst="roundRect">
             <a:avLst/>
           </a:prstGeom>
+          <a:solidFill>
+            <a:schemeClr val="tx2"/>
+          </a:solidFill>
         </p:spPr>
         <p:style>
           <a:lnRef idx="2">

--- a/Prototypes/Power Point Prototype/Einzeln/Main.pptx
+++ b/Prototypes/Power Point Prototype/Einzeln/Main.pptx
@@ -5790,630 +5790,1008 @@
           </a:p>
         </p:txBody>
       </p:sp>
-      <p:graphicFrame>
-        <p:nvGraphicFramePr>
-          <p:cNvPr id="14" name="Tableau 13"/>
-          <p:cNvGraphicFramePr>
-            <a:graphicFrameLocks noGrp="1"/>
-          </p:cNvGraphicFramePr>
-          <p:nvPr/>
-        </p:nvGraphicFramePr>
-        <p:xfrm>
-          <a:off x="251520" y="2924944"/>
-          <a:ext cx="8640960" cy="2966720"/>
-        </p:xfrm>
-        <a:graphic>
-          <a:graphicData uri="http://schemas.openxmlformats.org/drawingml/2006/table">
-            <a:tbl>
-              <a:tblPr firstRow="1" bandRow="1">
-                <a:tableStyleId>{073A0DAA-6AF3-43AB-8588-CEC1D06C72B9}</a:tableStyleId>
-              </a:tblPr>
-              <a:tblGrid>
-                <a:gridCol w="1728192"/>
-                <a:gridCol w="1728192"/>
-                <a:gridCol w="1728192"/>
-                <a:gridCol w="1728192"/>
-                <a:gridCol w="1728192"/>
-              </a:tblGrid>
-              <a:tr h="370840">
-                <a:tc>
-                  <a:txBody>
-                    <a:bodyPr/>
-                    <a:lstStyle/>
-                    <a:p>
-                      <a:r>
-                        <a:rPr lang="de-CH" smtClean="0"/>
-                        <a:t>Username</a:t>
-                      </a:r>
-                      <a:endParaRPr lang="de-CH"/>
-                    </a:p>
-                  </a:txBody>
-                  <a:tcPr/>
-                </a:tc>
-                <a:tc>
-                  <a:txBody>
-                    <a:bodyPr/>
-                    <a:lstStyle/>
-                    <a:p>
-                      <a:r>
-                        <a:rPr lang="de-CH" smtClean="0"/>
-                        <a:t>Gender</a:t>
-                      </a:r>
-                      <a:endParaRPr lang="de-CH"/>
-                    </a:p>
-                  </a:txBody>
-                  <a:tcPr/>
-                </a:tc>
-                <a:tc>
-                  <a:txBody>
-                    <a:bodyPr/>
-                    <a:lstStyle/>
-                    <a:p>
-                      <a:r>
-                        <a:rPr lang="de-CH" smtClean="0"/>
-                        <a:t>Grade</a:t>
-                      </a:r>
-                      <a:endParaRPr lang="de-CH"/>
-                    </a:p>
-                  </a:txBody>
-                  <a:tcPr/>
-                </a:tc>
-                <a:tc>
-                  <a:txBody>
-                    <a:bodyPr/>
-                    <a:lstStyle/>
-                    <a:p>
-                      <a:r>
-                        <a:rPr lang="de-CH" smtClean="0"/>
-                        <a:t>TR</a:t>
-                      </a:r>
-                      <a:endParaRPr lang="de-CH"/>
-                    </a:p>
-                  </a:txBody>
-                  <a:tcPr/>
-                </a:tc>
-                <a:tc>
-                  <a:txBody>
-                    <a:bodyPr/>
-                    <a:lstStyle/>
-                    <a:p>
-                      <a:r>
-                        <a:rPr lang="de-CH" smtClean="0"/>
-                        <a:t>Profile</a:t>
-                      </a:r>
-                      <a:endParaRPr lang="de-CH"/>
-                    </a:p>
-                  </a:txBody>
-                  <a:tcPr/>
-                </a:tc>
-              </a:tr>
-              <a:tr h="370840">
-                <a:tc>
-                  <a:txBody>
-                    <a:bodyPr/>
-                    <a:lstStyle/>
-                    <a:p>
-                      <a:r>
-                        <a:rPr lang="de-CH" smtClean="0"/>
-                        <a:t>Tuto1</a:t>
-                      </a:r>
-                      <a:endParaRPr lang="de-CH"/>
-                    </a:p>
-                  </a:txBody>
-                  <a:tcPr/>
-                </a:tc>
-                <a:tc>
-                  <a:txBody>
-                    <a:bodyPr/>
-                    <a:lstStyle/>
-                    <a:p>
-                      <a:r>
-                        <a:rPr lang="de-CH" smtClean="0"/>
-                        <a:t>male</a:t>
-                      </a:r>
-                      <a:endParaRPr lang="de-CH"/>
-                    </a:p>
-                  </a:txBody>
-                  <a:tcPr/>
-                </a:tc>
-                <a:tc>
-                  <a:txBody>
-                    <a:bodyPr/>
-                    <a:lstStyle/>
-                    <a:p>
-                      <a:r>
-                        <a:rPr lang="de-CH" smtClean="0"/>
-                        <a:t>5.5</a:t>
-                      </a:r>
-                      <a:endParaRPr lang="de-CH"/>
-                    </a:p>
-                  </a:txBody>
-                  <a:tcPr/>
-                </a:tc>
-                <a:tc>
-                  <a:txBody>
-                    <a:bodyPr/>
-                    <a:lstStyle/>
-                    <a:p>
-                      <a:r>
-                        <a:rPr lang="de-CH" smtClean="0"/>
-                        <a:t>6</a:t>
-                      </a:r>
-                      <a:endParaRPr lang="de-CH"/>
-                    </a:p>
-                  </a:txBody>
-                  <a:tcPr/>
-                </a:tc>
-                <a:tc>
-                  <a:txBody>
-                    <a:bodyPr/>
-                    <a:lstStyle/>
-                    <a:p>
-                      <a:r>
-                        <a:rPr lang="de-CH" smtClean="0"/>
-                        <a:t>see profile</a:t>
-                      </a:r>
-                      <a:endParaRPr lang="de-CH"/>
-                    </a:p>
-                  </a:txBody>
-                  <a:tcPr/>
-                </a:tc>
-              </a:tr>
-              <a:tr h="370840">
-                <a:tc>
-                  <a:txBody>
-                    <a:bodyPr/>
-                    <a:lstStyle/>
-                    <a:p>
-                      <a:r>
-                        <a:rPr lang="de-CH" smtClean="0"/>
-                        <a:t>Tuto2</a:t>
-                      </a:r>
-                    </a:p>
-                  </a:txBody>
-                  <a:tcPr/>
-                </a:tc>
-                <a:tc>
-                  <a:txBody>
-                    <a:bodyPr/>
-                    <a:lstStyle/>
-                    <a:p>
-                      <a:r>
-                        <a:rPr lang="de-CH" smtClean="0"/>
-                        <a:t>female</a:t>
-                      </a:r>
-                      <a:endParaRPr lang="de-CH"/>
-                    </a:p>
-                  </a:txBody>
-                  <a:tcPr/>
-                </a:tc>
-                <a:tc>
-                  <a:txBody>
-                    <a:bodyPr/>
-                    <a:lstStyle/>
-                    <a:p>
-                      <a:r>
-                        <a:rPr lang="de-CH" smtClean="0"/>
-                        <a:t>5</a:t>
-                      </a:r>
-                      <a:endParaRPr lang="de-CH"/>
-                    </a:p>
-                  </a:txBody>
-                  <a:tcPr/>
-                </a:tc>
-                <a:tc>
-                  <a:txBody>
-                    <a:bodyPr/>
-                    <a:lstStyle/>
-                    <a:p>
-                      <a:r>
-                        <a:rPr lang="de-CH" smtClean="0"/>
-                        <a:t>6</a:t>
-                      </a:r>
-                      <a:endParaRPr lang="de-CH"/>
-                    </a:p>
-                  </a:txBody>
-                  <a:tcPr/>
-                </a:tc>
-                <a:tc>
-                  <a:txBody>
-                    <a:bodyPr/>
-                    <a:lstStyle/>
-                    <a:p>
-                      <a:pPr marL="0" marR="0" indent="0" algn="l" defTabSz="914400" rtl="0" eaLnBrk="1" fontAlgn="auto" latinLnBrk="0" hangingPunct="1">
-                        <a:lnSpc>
-                          <a:spcPct val="100000"/>
-                        </a:lnSpc>
-                        <a:spcBef>
-                          <a:spcPts val="0"/>
-                        </a:spcBef>
-                        <a:spcAft>
-                          <a:spcPts val="0"/>
-                        </a:spcAft>
-                        <a:buClrTx/>
-                        <a:buSzTx/>
-                        <a:buFontTx/>
-                        <a:buNone/>
-                        <a:tabLst/>
-                        <a:defRPr/>
-                      </a:pPr>
-                      <a:r>
-                        <a:rPr lang="de-CH" smtClean="0"/>
-                        <a:t>see profile</a:t>
-                      </a:r>
-                    </a:p>
-                  </a:txBody>
-                  <a:tcPr/>
-                </a:tc>
-              </a:tr>
-              <a:tr h="370840">
-                <a:tc>
-                  <a:txBody>
-                    <a:bodyPr/>
-                    <a:lstStyle/>
-                    <a:p>
-                      <a:r>
-                        <a:rPr lang="de-CH" smtClean="0"/>
-                        <a:t>Tuto3</a:t>
-                      </a:r>
-                      <a:endParaRPr lang="de-CH"/>
-                    </a:p>
-                  </a:txBody>
-                  <a:tcPr/>
-                </a:tc>
-                <a:tc>
-                  <a:txBody>
-                    <a:bodyPr/>
-                    <a:lstStyle/>
-                    <a:p>
-                      <a:r>
-                        <a:rPr lang="de-CH" smtClean="0"/>
-                        <a:t>female</a:t>
-                      </a:r>
-                      <a:endParaRPr lang="de-CH"/>
-                    </a:p>
-                  </a:txBody>
-                  <a:tcPr/>
-                </a:tc>
-                <a:tc>
-                  <a:txBody>
-                    <a:bodyPr/>
-                    <a:lstStyle/>
-                    <a:p>
-                      <a:r>
-                        <a:rPr lang="de-CH" smtClean="0"/>
-                        <a:t>5.5</a:t>
-                      </a:r>
-                      <a:endParaRPr lang="de-CH"/>
-                    </a:p>
-                  </a:txBody>
-                  <a:tcPr/>
-                </a:tc>
-                <a:tc>
-                  <a:txBody>
-                    <a:bodyPr/>
-                    <a:lstStyle/>
-                    <a:p>
-                      <a:r>
-                        <a:rPr lang="de-CH" smtClean="0"/>
-                        <a:t>5.8</a:t>
-                      </a:r>
-                      <a:endParaRPr lang="de-CH"/>
-                    </a:p>
-                  </a:txBody>
-                  <a:tcPr/>
-                </a:tc>
-                <a:tc>
-                  <a:txBody>
-                    <a:bodyPr/>
-                    <a:lstStyle/>
-                    <a:p>
-                      <a:r>
-                        <a:rPr lang="de-CH" smtClean="0"/>
-                        <a:t>see profile</a:t>
-                      </a:r>
-                      <a:endParaRPr lang="de-CH"/>
-                    </a:p>
-                  </a:txBody>
-                  <a:tcPr/>
-                </a:tc>
-              </a:tr>
-              <a:tr h="370840">
-                <a:tc>
-                  <a:txBody>
-                    <a:bodyPr/>
-                    <a:lstStyle/>
-                    <a:p>
-                      <a:r>
-                        <a:rPr lang="de-CH" smtClean="0"/>
-                        <a:t>Tuto4</a:t>
-                      </a:r>
-                      <a:endParaRPr lang="de-CH"/>
-                    </a:p>
-                  </a:txBody>
-                  <a:tcPr/>
-                </a:tc>
-                <a:tc>
-                  <a:txBody>
-                    <a:bodyPr/>
-                    <a:lstStyle/>
-                    <a:p>
-                      <a:r>
-                        <a:rPr lang="de-CH" smtClean="0"/>
-                        <a:t>male</a:t>
-                      </a:r>
-                      <a:endParaRPr lang="de-CH"/>
-                    </a:p>
-                  </a:txBody>
-                  <a:tcPr/>
-                </a:tc>
-                <a:tc>
-                  <a:txBody>
-                    <a:bodyPr/>
-                    <a:lstStyle/>
-                    <a:p>
-                      <a:r>
-                        <a:rPr lang="de-CH" smtClean="0"/>
-                        <a:t>4.5</a:t>
-                      </a:r>
-                      <a:endParaRPr lang="de-CH"/>
-                    </a:p>
-                  </a:txBody>
-                  <a:tcPr/>
-                </a:tc>
-                <a:tc>
-                  <a:txBody>
-                    <a:bodyPr/>
-                    <a:lstStyle/>
-                    <a:p>
-                      <a:r>
-                        <a:rPr lang="de-CH" smtClean="0"/>
-                        <a:t>5.5</a:t>
-                      </a:r>
-                      <a:endParaRPr lang="de-CH"/>
-                    </a:p>
-                  </a:txBody>
-                  <a:tcPr/>
-                </a:tc>
-                <a:tc>
-                  <a:txBody>
-                    <a:bodyPr/>
-                    <a:lstStyle/>
-                    <a:p>
-                      <a:r>
-                        <a:rPr lang="de-CH" smtClean="0"/>
-                        <a:t>see profile</a:t>
-                      </a:r>
-                      <a:endParaRPr lang="de-CH"/>
-                    </a:p>
-                  </a:txBody>
-                  <a:tcPr/>
-                </a:tc>
-              </a:tr>
-              <a:tr h="370840">
-                <a:tc>
-                  <a:txBody>
-                    <a:bodyPr/>
-                    <a:lstStyle/>
-                    <a:p>
-                      <a:r>
-                        <a:rPr lang="de-CH" smtClean="0"/>
-                        <a:t>Tuto5</a:t>
-                      </a:r>
-                      <a:endParaRPr lang="de-CH"/>
-                    </a:p>
-                  </a:txBody>
-                  <a:tcPr/>
-                </a:tc>
-                <a:tc>
-                  <a:txBody>
-                    <a:bodyPr/>
-                    <a:lstStyle/>
-                    <a:p>
-                      <a:r>
-                        <a:rPr lang="de-CH" smtClean="0"/>
-                        <a:t>female</a:t>
-                      </a:r>
-                      <a:endParaRPr lang="de-CH"/>
-                    </a:p>
-                  </a:txBody>
-                  <a:tcPr/>
-                </a:tc>
-                <a:tc>
-                  <a:txBody>
-                    <a:bodyPr/>
-                    <a:lstStyle/>
-                    <a:p>
-                      <a:r>
-                        <a:rPr lang="de-CH" smtClean="0"/>
-                        <a:t>6</a:t>
-                      </a:r>
-                      <a:endParaRPr lang="de-CH"/>
-                    </a:p>
-                  </a:txBody>
-                  <a:tcPr/>
-                </a:tc>
-                <a:tc>
-                  <a:txBody>
-                    <a:bodyPr/>
-                    <a:lstStyle/>
-                    <a:p>
-                      <a:r>
-                        <a:rPr lang="de-CH" smtClean="0"/>
-                        <a:t>5</a:t>
-                      </a:r>
-                      <a:endParaRPr lang="de-CH"/>
-                    </a:p>
-                  </a:txBody>
-                  <a:tcPr/>
-                </a:tc>
-                <a:tc>
-                  <a:txBody>
-                    <a:bodyPr/>
-                    <a:lstStyle/>
-                    <a:p>
-                      <a:r>
-                        <a:rPr lang="de-CH" smtClean="0"/>
-                        <a:t>see profile</a:t>
-                      </a:r>
-                      <a:endParaRPr lang="de-CH"/>
-                    </a:p>
-                  </a:txBody>
-                  <a:tcPr/>
-                </a:tc>
-              </a:tr>
-              <a:tr h="370840">
-                <a:tc>
-                  <a:txBody>
-                    <a:bodyPr/>
-                    <a:lstStyle/>
-                    <a:p>
-                      <a:r>
-                        <a:rPr lang="de-CH" smtClean="0"/>
-                        <a:t>Tuto6</a:t>
-                      </a:r>
-                      <a:endParaRPr lang="de-CH"/>
-                    </a:p>
-                  </a:txBody>
-                  <a:tcPr/>
-                </a:tc>
-                <a:tc>
-                  <a:txBody>
-                    <a:bodyPr/>
-                    <a:lstStyle/>
-                    <a:p>
-                      <a:r>
-                        <a:rPr lang="de-CH" smtClean="0"/>
-                        <a:t>male</a:t>
-                      </a:r>
-                      <a:endParaRPr lang="de-CH"/>
-                    </a:p>
-                  </a:txBody>
-                  <a:tcPr/>
-                </a:tc>
-                <a:tc>
-                  <a:txBody>
-                    <a:bodyPr/>
-                    <a:lstStyle/>
-                    <a:p>
-                      <a:r>
-                        <a:rPr lang="de-CH" smtClean="0"/>
-                        <a:t>5</a:t>
-                      </a:r>
-                      <a:endParaRPr lang="de-CH"/>
-                    </a:p>
-                  </a:txBody>
-                  <a:tcPr/>
-                </a:tc>
-                <a:tc>
-                  <a:txBody>
-                    <a:bodyPr/>
-                    <a:lstStyle/>
-                    <a:p>
-                      <a:r>
-                        <a:rPr lang="de-CH" smtClean="0"/>
-                        <a:t>4.6</a:t>
-                      </a:r>
-                      <a:endParaRPr lang="de-CH"/>
-                    </a:p>
-                  </a:txBody>
-                  <a:tcPr/>
-                </a:tc>
-                <a:tc>
-                  <a:txBody>
-                    <a:bodyPr/>
-                    <a:lstStyle/>
-                    <a:p>
-                      <a:r>
-                        <a:rPr lang="de-CH" smtClean="0"/>
-                        <a:t>see profile</a:t>
-                      </a:r>
-                      <a:endParaRPr lang="de-CH"/>
-                    </a:p>
-                  </a:txBody>
-                  <a:tcPr/>
-                </a:tc>
-              </a:tr>
-              <a:tr h="370840">
-                <a:tc>
-                  <a:txBody>
-                    <a:bodyPr/>
-                    <a:lstStyle/>
-                    <a:p>
-                      <a:r>
-                        <a:rPr lang="de-CH" smtClean="0"/>
-                        <a:t>Tuto7</a:t>
-                      </a:r>
-                      <a:endParaRPr lang="de-CH"/>
-                    </a:p>
-                  </a:txBody>
-                  <a:tcPr/>
-                </a:tc>
-                <a:tc>
-                  <a:txBody>
-                    <a:bodyPr/>
-                    <a:lstStyle/>
-                    <a:p>
-                      <a:r>
-                        <a:rPr lang="de-CH" smtClean="0"/>
-                        <a:t>male</a:t>
-                      </a:r>
-                      <a:endParaRPr lang="de-CH"/>
-                    </a:p>
-                  </a:txBody>
-                  <a:tcPr/>
-                </a:tc>
-                <a:tc>
-                  <a:txBody>
-                    <a:bodyPr/>
-                    <a:lstStyle/>
-                    <a:p>
-                      <a:r>
-                        <a:rPr lang="de-CH" smtClean="0"/>
-                        <a:t>5.5</a:t>
-                      </a:r>
-                      <a:endParaRPr lang="de-CH"/>
-                    </a:p>
-                  </a:txBody>
-                  <a:tcPr/>
-                </a:tc>
-                <a:tc>
-                  <a:txBody>
-                    <a:bodyPr/>
-                    <a:lstStyle/>
-                    <a:p>
-                      <a:r>
-                        <a:rPr lang="de-CH" smtClean="0"/>
-                        <a:t>4.5</a:t>
-                      </a:r>
-                      <a:endParaRPr lang="de-CH"/>
-                    </a:p>
-                  </a:txBody>
-                  <a:tcPr/>
-                </a:tc>
-                <a:tc>
-                  <a:txBody>
-                    <a:bodyPr/>
-                    <a:lstStyle/>
-                    <a:p>
-                      <a:r>
-                        <a:rPr lang="de-CH" smtClean="0"/>
-                        <a:t>see profile</a:t>
-                      </a:r>
-                      <a:endParaRPr lang="de-CH"/>
-                    </a:p>
-                  </a:txBody>
-                  <a:tcPr/>
-                </a:tc>
-              </a:tr>
-            </a:tbl>
-          </a:graphicData>
-        </a:graphic>
-      </p:graphicFrame>
+      <p:pic>
+        <p:nvPicPr>
+          <p:cNvPr id="1026" name="Picture 2"/>
+          <p:cNvPicPr>
+            <a:picLocks noChangeAspect="1" noChangeArrowheads="1"/>
+          </p:cNvPicPr>
+          <p:nvPr/>
+        </p:nvPicPr>
+        <p:blipFill>
+          <a:blip r:embed="rId2" cstate="print">
+            <a:clrChange>
+              <a:clrFrom>
+                <a:srgbClr val="48A5EA"/>
+              </a:clrFrom>
+              <a:clrTo>
+                <a:srgbClr val="48A5EA">
+                  <a:alpha val="0"/>
+                </a:srgbClr>
+              </a:clrTo>
+            </a:clrChange>
+          </a:blip>
+          <a:srcRect l="33858" t="32196" r="50394" b="35867"/>
+          <a:stretch>
+            <a:fillRect/>
+          </a:stretch>
+        </p:blipFill>
+        <p:spPr bwMode="auto">
+          <a:xfrm>
+            <a:off x="179512" y="2996952"/>
+            <a:ext cx="2880122" cy="3285419"/>
+          </a:xfrm>
+          <a:prstGeom prst="rect">
+            <a:avLst/>
+          </a:prstGeom>
+          <a:noFill/>
+          <a:ln w="9525">
+            <a:noFill/>
+            <a:miter lim="800000"/>
+            <a:headEnd/>
+            <a:tailEnd/>
+          </a:ln>
+        </p:spPr>
+      </p:pic>
+      <p:sp>
+        <p:nvSpPr>
+          <p:cNvPr id="20" name="Rectangle à coins arrondis 19"/>
+          <p:cNvSpPr/>
+          <p:nvPr/>
+        </p:nvSpPr>
+        <p:spPr>
+          <a:xfrm>
+            <a:off x="3347864" y="2996952"/>
+            <a:ext cx="5472608" cy="3312368"/>
+          </a:xfrm>
+          <a:prstGeom prst="roundRect">
+            <a:avLst>
+              <a:gd name="adj" fmla="val 3894"/>
+            </a:avLst>
+          </a:prstGeom>
+        </p:spPr>
+        <p:style>
+          <a:lnRef idx="2">
+            <a:schemeClr val="accent1">
+              <a:shade val="50000"/>
+            </a:schemeClr>
+          </a:lnRef>
+          <a:fillRef idx="1">
+            <a:schemeClr val="accent1"/>
+          </a:fillRef>
+          <a:effectRef idx="0">
+            <a:schemeClr val="accent1"/>
+          </a:effectRef>
+          <a:fontRef idx="minor">
+            <a:schemeClr val="lt1"/>
+          </a:fontRef>
+        </p:style>
+        <p:txBody>
+          <a:bodyPr rtlCol="0" anchor="ctr"/>
+          <a:lstStyle/>
+          <a:p>
+            <a:pPr algn="ctr"/>
+            <a:endParaRPr lang="de-CH"/>
+          </a:p>
+        </p:txBody>
+      </p:sp>
+      <p:sp>
+        <p:nvSpPr>
+          <p:cNvPr id="21" name="Rectangle à coins arrondis 20"/>
+          <p:cNvSpPr/>
+          <p:nvPr/>
+        </p:nvSpPr>
+        <p:spPr>
+          <a:xfrm>
+            <a:off x="3347864" y="2996952"/>
+            <a:ext cx="288032" cy="3312368"/>
+          </a:xfrm>
+          <a:prstGeom prst="roundRect">
+            <a:avLst/>
+          </a:prstGeom>
+          <a:solidFill>
+            <a:schemeClr val="bg1">
+              <a:lumMod val="65000"/>
+            </a:schemeClr>
+          </a:solidFill>
+        </p:spPr>
+        <p:style>
+          <a:lnRef idx="2">
+            <a:schemeClr val="accent1">
+              <a:shade val="50000"/>
+            </a:schemeClr>
+          </a:lnRef>
+          <a:fillRef idx="1">
+            <a:schemeClr val="accent1"/>
+          </a:fillRef>
+          <a:effectRef idx="0">
+            <a:schemeClr val="accent1"/>
+          </a:effectRef>
+          <a:fontRef idx="minor">
+            <a:schemeClr val="lt1"/>
+          </a:fontRef>
+        </p:style>
+        <p:txBody>
+          <a:bodyPr rtlCol="0" anchor="ctr"/>
+          <a:lstStyle/>
+          <a:p>
+            <a:pPr algn="ctr"/>
+            <a:endParaRPr lang="de-CH"/>
+          </a:p>
+        </p:txBody>
+      </p:sp>
+      <p:sp>
+        <p:nvSpPr>
+          <p:cNvPr id="22" name="Ellipse 21"/>
+          <p:cNvSpPr/>
+          <p:nvPr/>
+        </p:nvSpPr>
+        <p:spPr>
+          <a:xfrm>
+            <a:off x="3347864" y="3068959"/>
+            <a:ext cx="288032" cy="288033"/>
+          </a:xfrm>
+          <a:prstGeom prst="ellipse">
+            <a:avLst/>
+          </a:prstGeom>
+          <a:solidFill>
+            <a:schemeClr val="tx1">
+              <a:lumMod val="50000"/>
+              <a:lumOff val="50000"/>
+            </a:schemeClr>
+          </a:solidFill>
+        </p:spPr>
+        <p:style>
+          <a:lnRef idx="2">
+            <a:schemeClr val="accent1">
+              <a:shade val="50000"/>
+            </a:schemeClr>
+          </a:lnRef>
+          <a:fillRef idx="1">
+            <a:schemeClr val="accent1"/>
+          </a:fillRef>
+          <a:effectRef idx="0">
+            <a:schemeClr val="accent1"/>
+          </a:effectRef>
+          <a:fontRef idx="minor">
+            <a:schemeClr val="lt1"/>
+          </a:fontRef>
+        </p:style>
+        <p:txBody>
+          <a:bodyPr rtlCol="0" anchor="ctr"/>
+          <a:lstStyle/>
+          <a:p>
+            <a:pPr algn="ctr"/>
+            <a:endParaRPr lang="de-CH"/>
+          </a:p>
+        </p:txBody>
+      </p:sp>
+      <p:grpSp>
+        <p:nvGrpSpPr>
+          <p:cNvPr id="65" name="Groupe 64"/>
+          <p:cNvGrpSpPr/>
+          <p:nvPr/>
+        </p:nvGrpSpPr>
+        <p:grpSpPr>
+          <a:xfrm>
+            <a:off x="3707904" y="3068960"/>
+            <a:ext cx="3384376" cy="720080"/>
+            <a:chOff x="3707904" y="3068960"/>
+            <a:chExt cx="3384376" cy="720080"/>
+          </a:xfrm>
+        </p:grpSpPr>
+        <p:grpSp>
+          <p:nvGrpSpPr>
+            <p:cNvPr id="29" name="Groupe 28"/>
+            <p:cNvGrpSpPr/>
+            <p:nvPr/>
+          </p:nvGrpSpPr>
+          <p:grpSpPr>
+            <a:xfrm>
+              <a:off x="3707904" y="3068960"/>
+              <a:ext cx="720080" cy="720080"/>
+              <a:chOff x="3707904" y="3068960"/>
+              <a:chExt cx="720080" cy="720080"/>
+            </a:xfrm>
+          </p:grpSpPr>
+          <p:sp>
+            <p:nvSpPr>
+              <p:cNvPr id="23" name="Rectangle 22"/>
+              <p:cNvSpPr/>
+              <p:nvPr/>
+            </p:nvSpPr>
+            <p:spPr>
+              <a:xfrm>
+                <a:off x="3707904" y="3068960"/>
+                <a:ext cx="720080" cy="720080"/>
+              </a:xfrm>
+              <a:prstGeom prst="rect">
+                <a:avLst/>
+              </a:prstGeom>
+              <a:solidFill>
+                <a:schemeClr val="bg1">
+                  <a:lumMod val="65000"/>
+                </a:schemeClr>
+              </a:solidFill>
+              <a:ln>
+                <a:solidFill>
+                  <a:schemeClr val="tx1">
+                    <a:lumMod val="65000"/>
+                    <a:lumOff val="35000"/>
+                  </a:schemeClr>
+                </a:solidFill>
+              </a:ln>
+            </p:spPr>
+            <p:style>
+              <a:lnRef idx="2">
+                <a:schemeClr val="accent1">
+                  <a:shade val="50000"/>
+                </a:schemeClr>
+              </a:lnRef>
+              <a:fillRef idx="1">
+                <a:schemeClr val="accent1"/>
+              </a:fillRef>
+              <a:effectRef idx="0">
+                <a:schemeClr val="accent1"/>
+              </a:effectRef>
+              <a:fontRef idx="minor">
+                <a:schemeClr val="lt1"/>
+              </a:fontRef>
+            </p:style>
+            <p:txBody>
+              <a:bodyPr rtlCol="0" anchor="ctr"/>
+              <a:lstStyle/>
+              <a:p>
+                <a:pPr algn="ctr"/>
+                <a:endParaRPr lang="de-CH"/>
+              </a:p>
+            </p:txBody>
+          </p:sp>
+          <p:cxnSp>
+            <p:nvCxnSpPr>
+              <p:cNvPr id="25" name="Connecteur droit 24"/>
+              <p:cNvCxnSpPr/>
+              <p:nvPr/>
+            </p:nvCxnSpPr>
+            <p:spPr>
+              <a:xfrm flipH="1" flipV="1">
+                <a:off x="3707904" y="3068960"/>
+                <a:ext cx="720080" cy="720080"/>
+              </a:xfrm>
+              <a:prstGeom prst="line">
+                <a:avLst/>
+              </a:prstGeom>
+              <a:ln w="19050">
+                <a:solidFill>
+                  <a:schemeClr val="tx1"/>
+                </a:solidFill>
+              </a:ln>
+            </p:spPr>
+            <p:style>
+              <a:lnRef idx="1">
+                <a:schemeClr val="accent1"/>
+              </a:lnRef>
+              <a:fillRef idx="0">
+                <a:schemeClr val="accent1"/>
+              </a:fillRef>
+              <a:effectRef idx="0">
+                <a:schemeClr val="accent1"/>
+              </a:effectRef>
+              <a:fontRef idx="minor">
+                <a:schemeClr val="tx1"/>
+              </a:fontRef>
+            </p:style>
+          </p:cxnSp>
+          <p:cxnSp>
+            <p:nvCxnSpPr>
+              <p:cNvPr id="27" name="Connecteur droit 26"/>
+              <p:cNvCxnSpPr/>
+              <p:nvPr/>
+            </p:nvCxnSpPr>
+            <p:spPr>
+              <a:xfrm flipV="1">
+                <a:off x="3707904" y="3068960"/>
+                <a:ext cx="720080" cy="720080"/>
+              </a:xfrm>
+              <a:prstGeom prst="line">
+                <a:avLst/>
+              </a:prstGeom>
+              <a:ln w="19050">
+                <a:solidFill>
+                  <a:schemeClr val="tx1"/>
+                </a:solidFill>
+              </a:ln>
+            </p:spPr>
+            <p:style>
+              <a:lnRef idx="1">
+                <a:schemeClr val="accent1"/>
+              </a:lnRef>
+              <a:fillRef idx="0">
+                <a:schemeClr val="accent1"/>
+              </a:fillRef>
+              <a:effectRef idx="0">
+                <a:schemeClr val="accent1"/>
+              </a:effectRef>
+              <a:fontRef idx="minor">
+                <a:schemeClr val="tx1"/>
+              </a:fontRef>
+            </p:style>
+          </p:cxnSp>
+        </p:grpSp>
+        <p:sp>
+          <p:nvSpPr>
+            <p:cNvPr id="30" name="ZoneTexte 29"/>
+            <p:cNvSpPr txBox="1"/>
+            <p:nvPr/>
+          </p:nvSpPr>
+          <p:spPr>
+            <a:xfrm>
+              <a:off x="4499992" y="3068960"/>
+              <a:ext cx="2592288" cy="523220"/>
+            </a:xfrm>
+            <a:prstGeom prst="rect">
+              <a:avLst/>
+            </a:prstGeom>
+            <a:noFill/>
+          </p:spPr>
+          <p:txBody>
+            <a:bodyPr wrap="square" rtlCol="0">
+              <a:spAutoFit/>
+            </a:bodyPr>
+            <a:lstStyle/>
+            <a:p>
+              <a:r>
+                <a:rPr lang="de-CH" sz="1400" smtClean="0"/>
+                <a:t>Tutor 1  ♂</a:t>
+              </a:r>
+            </a:p>
+            <a:p>
+              <a:r>
+                <a:rPr lang="de-CH" sz="1400" smtClean="0"/>
+                <a:t>ESE  UNIBE  5.5</a:t>
+              </a:r>
+              <a:endParaRPr lang="de-CH" sz="1400"/>
+            </a:p>
+          </p:txBody>
+        </p:sp>
+        <p:grpSp>
+          <p:nvGrpSpPr>
+            <p:cNvPr id="34" name="Groupe 33"/>
+            <p:cNvGrpSpPr/>
+            <p:nvPr/>
+          </p:nvGrpSpPr>
+          <p:grpSpPr>
+            <a:xfrm>
+              <a:off x="4572000" y="3501008"/>
+              <a:ext cx="571564" cy="288032"/>
+              <a:chOff x="4572000" y="3501008"/>
+              <a:chExt cx="571564" cy="288032"/>
+            </a:xfrm>
+          </p:grpSpPr>
+          <p:sp>
+            <p:nvSpPr>
+              <p:cNvPr id="32" name="Étoile à 5 branches 31"/>
+              <p:cNvSpPr/>
+              <p:nvPr/>
+            </p:nvSpPr>
+            <p:spPr>
+              <a:xfrm>
+                <a:off x="4572000" y="3573016"/>
+                <a:ext cx="283532" cy="216024"/>
+              </a:xfrm>
+              <a:prstGeom prst="star5">
+                <a:avLst/>
+              </a:prstGeom>
+              <a:solidFill>
+                <a:srgbClr val="FFC000"/>
+              </a:solidFill>
+              <a:ln>
+                <a:solidFill>
+                  <a:schemeClr val="accent6">
+                    <a:lumMod val="75000"/>
+                  </a:schemeClr>
+                </a:solidFill>
+              </a:ln>
+            </p:spPr>
+            <p:style>
+              <a:lnRef idx="2">
+                <a:schemeClr val="accent1">
+                  <a:shade val="50000"/>
+                </a:schemeClr>
+              </a:lnRef>
+              <a:fillRef idx="1">
+                <a:schemeClr val="accent1"/>
+              </a:fillRef>
+              <a:effectRef idx="0">
+                <a:schemeClr val="accent1"/>
+              </a:effectRef>
+              <a:fontRef idx="minor">
+                <a:schemeClr val="lt1"/>
+              </a:fontRef>
+            </p:style>
+            <p:txBody>
+              <a:bodyPr rtlCol="0" anchor="ctr"/>
+              <a:lstStyle/>
+              <a:p>
+                <a:pPr algn="ctr"/>
+                <a:endParaRPr lang="de-CH"/>
+              </a:p>
+            </p:txBody>
+          </p:sp>
+          <p:sp>
+            <p:nvSpPr>
+              <p:cNvPr id="33" name="ZoneTexte 32"/>
+              <p:cNvSpPr txBox="1"/>
+              <p:nvPr/>
+            </p:nvSpPr>
+            <p:spPr>
+              <a:xfrm>
+                <a:off x="4860032" y="3501008"/>
+                <a:ext cx="283532" cy="158285"/>
+              </a:xfrm>
+              <a:prstGeom prst="rect">
+                <a:avLst/>
+              </a:prstGeom>
+              <a:noFill/>
+            </p:spPr>
+            <p:txBody>
+              <a:bodyPr wrap="square" rtlCol="0">
+                <a:spAutoFit/>
+              </a:bodyPr>
+              <a:lstStyle/>
+              <a:p>
+                <a:r>
+                  <a:rPr lang="de-CH" smtClean="0"/>
+                  <a:t>6</a:t>
+                </a:r>
+                <a:endParaRPr lang="de-CH"/>
+              </a:p>
+            </p:txBody>
+          </p:sp>
+        </p:grpSp>
+      </p:grpSp>
+      <p:grpSp>
+        <p:nvGrpSpPr>
+          <p:cNvPr id="64" name="Groupe 63"/>
+          <p:cNvGrpSpPr/>
+          <p:nvPr/>
+        </p:nvGrpSpPr>
+        <p:grpSpPr>
+          <a:xfrm>
+            <a:off x="3707904" y="4149080"/>
+            <a:ext cx="3384376" cy="801380"/>
+            <a:chOff x="3707904" y="4149080"/>
+            <a:chExt cx="3384376" cy="801380"/>
+          </a:xfrm>
+        </p:grpSpPr>
+        <p:grpSp>
+          <p:nvGrpSpPr>
+            <p:cNvPr id="36" name="Groupe 35"/>
+            <p:cNvGrpSpPr/>
+            <p:nvPr/>
+          </p:nvGrpSpPr>
+          <p:grpSpPr>
+            <a:xfrm>
+              <a:off x="3707904" y="4149080"/>
+              <a:ext cx="720080" cy="720080"/>
+              <a:chOff x="3707904" y="3068960"/>
+              <a:chExt cx="720080" cy="720080"/>
+            </a:xfrm>
+          </p:grpSpPr>
+          <p:sp>
+            <p:nvSpPr>
+              <p:cNvPr id="37" name="Rectangle 36"/>
+              <p:cNvSpPr/>
+              <p:nvPr/>
+            </p:nvSpPr>
+            <p:spPr>
+              <a:xfrm>
+                <a:off x="3707904" y="3068960"/>
+                <a:ext cx="720080" cy="720080"/>
+              </a:xfrm>
+              <a:prstGeom prst="rect">
+                <a:avLst/>
+              </a:prstGeom>
+              <a:solidFill>
+                <a:schemeClr val="bg1">
+                  <a:lumMod val="65000"/>
+                </a:schemeClr>
+              </a:solidFill>
+              <a:ln>
+                <a:solidFill>
+                  <a:schemeClr val="tx1">
+                    <a:lumMod val="65000"/>
+                    <a:lumOff val="35000"/>
+                  </a:schemeClr>
+                </a:solidFill>
+              </a:ln>
+            </p:spPr>
+            <p:style>
+              <a:lnRef idx="2">
+                <a:schemeClr val="accent1">
+                  <a:shade val="50000"/>
+                </a:schemeClr>
+              </a:lnRef>
+              <a:fillRef idx="1">
+                <a:schemeClr val="accent1"/>
+              </a:fillRef>
+              <a:effectRef idx="0">
+                <a:schemeClr val="accent1"/>
+              </a:effectRef>
+              <a:fontRef idx="minor">
+                <a:schemeClr val="lt1"/>
+              </a:fontRef>
+            </p:style>
+            <p:txBody>
+              <a:bodyPr rtlCol="0" anchor="ctr"/>
+              <a:lstStyle/>
+              <a:p>
+                <a:pPr algn="ctr"/>
+                <a:endParaRPr lang="de-CH"/>
+              </a:p>
+            </p:txBody>
+          </p:sp>
+          <p:cxnSp>
+            <p:nvCxnSpPr>
+              <p:cNvPr id="38" name="Connecteur droit 37"/>
+              <p:cNvCxnSpPr/>
+              <p:nvPr/>
+            </p:nvCxnSpPr>
+            <p:spPr>
+              <a:xfrm flipH="1" flipV="1">
+                <a:off x="3707904" y="3068960"/>
+                <a:ext cx="720080" cy="720080"/>
+              </a:xfrm>
+              <a:prstGeom prst="line">
+                <a:avLst/>
+              </a:prstGeom>
+              <a:ln w="19050">
+                <a:solidFill>
+                  <a:schemeClr val="tx1"/>
+                </a:solidFill>
+              </a:ln>
+            </p:spPr>
+            <p:style>
+              <a:lnRef idx="1">
+                <a:schemeClr val="accent1"/>
+              </a:lnRef>
+              <a:fillRef idx="0">
+                <a:schemeClr val="accent1"/>
+              </a:fillRef>
+              <a:effectRef idx="0">
+                <a:schemeClr val="accent1"/>
+              </a:effectRef>
+              <a:fontRef idx="minor">
+                <a:schemeClr val="tx1"/>
+              </a:fontRef>
+            </p:style>
+          </p:cxnSp>
+          <p:cxnSp>
+            <p:nvCxnSpPr>
+              <p:cNvPr id="39" name="Connecteur droit 38"/>
+              <p:cNvCxnSpPr/>
+              <p:nvPr/>
+            </p:nvCxnSpPr>
+            <p:spPr>
+              <a:xfrm flipV="1">
+                <a:off x="3707904" y="3068960"/>
+                <a:ext cx="720080" cy="720080"/>
+              </a:xfrm>
+              <a:prstGeom prst="line">
+                <a:avLst/>
+              </a:prstGeom>
+              <a:ln w="19050">
+                <a:solidFill>
+                  <a:schemeClr val="tx1"/>
+                </a:solidFill>
+              </a:ln>
+            </p:spPr>
+            <p:style>
+              <a:lnRef idx="1">
+                <a:schemeClr val="accent1"/>
+              </a:lnRef>
+              <a:fillRef idx="0">
+                <a:schemeClr val="accent1"/>
+              </a:fillRef>
+              <a:effectRef idx="0">
+                <a:schemeClr val="accent1"/>
+              </a:effectRef>
+              <a:fontRef idx="minor">
+                <a:schemeClr val="tx1"/>
+              </a:fontRef>
+            </p:style>
+          </p:cxnSp>
+        </p:grpSp>
+        <p:sp>
+          <p:nvSpPr>
+            <p:cNvPr id="40" name="ZoneTexte 39"/>
+            <p:cNvSpPr txBox="1"/>
+            <p:nvPr/>
+          </p:nvSpPr>
+          <p:spPr>
+            <a:xfrm>
+              <a:off x="4499992" y="4149080"/>
+              <a:ext cx="2592288" cy="523220"/>
+            </a:xfrm>
+            <a:prstGeom prst="rect">
+              <a:avLst/>
+            </a:prstGeom>
+            <a:noFill/>
+          </p:spPr>
+          <p:txBody>
+            <a:bodyPr wrap="square" rtlCol="0">
+              <a:spAutoFit/>
+            </a:bodyPr>
+            <a:lstStyle/>
+            <a:p>
+              <a:r>
+                <a:rPr lang="de-CH" sz="1400" smtClean="0"/>
+                <a:t>Tutor 2 ♀</a:t>
+              </a:r>
+            </a:p>
+            <a:p>
+              <a:r>
+                <a:rPr lang="de-CH" sz="1400" smtClean="0"/>
+                <a:t>ESE  UNIBE  6</a:t>
+              </a:r>
+              <a:endParaRPr lang="de-CH" sz="1400"/>
+            </a:p>
+          </p:txBody>
+        </p:sp>
+        <p:sp>
+          <p:nvSpPr>
+            <p:cNvPr id="42" name="Étoile à 5 branches 41"/>
+            <p:cNvSpPr/>
+            <p:nvPr/>
+          </p:nvSpPr>
+          <p:spPr>
+            <a:xfrm>
+              <a:off x="4572000" y="4653136"/>
+              <a:ext cx="283532" cy="216024"/>
+            </a:xfrm>
+            <a:prstGeom prst="star5">
+              <a:avLst/>
+            </a:prstGeom>
+            <a:solidFill>
+              <a:srgbClr val="FFC000"/>
+            </a:solidFill>
+            <a:ln>
+              <a:solidFill>
+                <a:schemeClr val="accent6">
+                  <a:lumMod val="75000"/>
+                </a:schemeClr>
+              </a:solidFill>
+            </a:ln>
+          </p:spPr>
+          <p:style>
+            <a:lnRef idx="2">
+              <a:schemeClr val="accent1">
+                <a:shade val="50000"/>
+              </a:schemeClr>
+            </a:lnRef>
+            <a:fillRef idx="1">
+              <a:schemeClr val="accent1"/>
+            </a:fillRef>
+            <a:effectRef idx="0">
+              <a:schemeClr val="accent1"/>
+            </a:effectRef>
+            <a:fontRef idx="minor">
+              <a:schemeClr val="lt1"/>
+            </a:fontRef>
+          </p:style>
+          <p:txBody>
+            <a:bodyPr rtlCol="0" anchor="ctr"/>
+            <a:lstStyle/>
+            <a:p>
+              <a:pPr algn="ctr"/>
+              <a:endParaRPr lang="de-CH"/>
+            </a:p>
+          </p:txBody>
+        </p:sp>
+        <p:sp>
+          <p:nvSpPr>
+            <p:cNvPr id="43" name="ZoneTexte 42"/>
+            <p:cNvSpPr txBox="1"/>
+            <p:nvPr/>
+          </p:nvSpPr>
+          <p:spPr>
+            <a:xfrm>
+              <a:off x="4860032" y="4581128"/>
+              <a:ext cx="504056" cy="369332"/>
+            </a:xfrm>
+            <a:prstGeom prst="rect">
+              <a:avLst/>
+            </a:prstGeom>
+            <a:noFill/>
+          </p:spPr>
+          <p:txBody>
+            <a:bodyPr wrap="square" rtlCol="0">
+              <a:spAutoFit/>
+            </a:bodyPr>
+            <a:lstStyle/>
+            <a:p>
+              <a:r>
+                <a:rPr lang="de-CH" smtClean="0"/>
+                <a:t>5.7</a:t>
+              </a:r>
+              <a:endParaRPr lang="de-CH"/>
+            </a:p>
+          </p:txBody>
+        </p:sp>
+      </p:grpSp>
+      <p:grpSp>
+        <p:nvGrpSpPr>
+          <p:cNvPr id="63" name="Groupe 62"/>
+          <p:cNvGrpSpPr/>
+          <p:nvPr/>
+        </p:nvGrpSpPr>
+        <p:grpSpPr>
+          <a:xfrm>
+            <a:off x="3707904" y="5301208"/>
+            <a:ext cx="3384376" cy="801380"/>
+            <a:chOff x="3707904" y="5301208"/>
+            <a:chExt cx="3384376" cy="801380"/>
+          </a:xfrm>
+        </p:grpSpPr>
+        <p:grpSp>
+          <p:nvGrpSpPr>
+            <p:cNvPr id="45" name="Groupe 44"/>
+            <p:cNvGrpSpPr/>
+            <p:nvPr/>
+          </p:nvGrpSpPr>
+          <p:grpSpPr>
+            <a:xfrm>
+              <a:off x="3707904" y="5301208"/>
+              <a:ext cx="720080" cy="720080"/>
+              <a:chOff x="3707904" y="3068960"/>
+              <a:chExt cx="720080" cy="720080"/>
+            </a:xfrm>
+          </p:grpSpPr>
+          <p:sp>
+            <p:nvSpPr>
+              <p:cNvPr id="46" name="Rectangle 45"/>
+              <p:cNvSpPr/>
+              <p:nvPr/>
+            </p:nvSpPr>
+            <p:spPr>
+              <a:xfrm>
+                <a:off x="3707904" y="3068960"/>
+                <a:ext cx="720080" cy="720080"/>
+              </a:xfrm>
+              <a:prstGeom prst="rect">
+                <a:avLst/>
+              </a:prstGeom>
+              <a:solidFill>
+                <a:schemeClr val="bg1">
+                  <a:lumMod val="65000"/>
+                </a:schemeClr>
+              </a:solidFill>
+              <a:ln>
+                <a:solidFill>
+                  <a:schemeClr val="tx1">
+                    <a:lumMod val="65000"/>
+                    <a:lumOff val="35000"/>
+                  </a:schemeClr>
+                </a:solidFill>
+              </a:ln>
+            </p:spPr>
+            <p:style>
+              <a:lnRef idx="2">
+                <a:schemeClr val="accent1">
+                  <a:shade val="50000"/>
+                </a:schemeClr>
+              </a:lnRef>
+              <a:fillRef idx="1">
+                <a:schemeClr val="accent1"/>
+              </a:fillRef>
+              <a:effectRef idx="0">
+                <a:schemeClr val="accent1"/>
+              </a:effectRef>
+              <a:fontRef idx="minor">
+                <a:schemeClr val="lt1"/>
+              </a:fontRef>
+            </p:style>
+            <p:txBody>
+              <a:bodyPr rtlCol="0" anchor="ctr"/>
+              <a:lstStyle/>
+              <a:p>
+                <a:pPr algn="ctr"/>
+                <a:endParaRPr lang="de-CH"/>
+              </a:p>
+            </p:txBody>
+          </p:sp>
+          <p:cxnSp>
+            <p:nvCxnSpPr>
+              <p:cNvPr id="47" name="Connecteur droit 46"/>
+              <p:cNvCxnSpPr/>
+              <p:nvPr/>
+            </p:nvCxnSpPr>
+            <p:spPr>
+              <a:xfrm flipH="1" flipV="1">
+                <a:off x="3707904" y="3068960"/>
+                <a:ext cx="720080" cy="720080"/>
+              </a:xfrm>
+              <a:prstGeom prst="line">
+                <a:avLst/>
+              </a:prstGeom>
+              <a:ln w="19050">
+                <a:solidFill>
+                  <a:schemeClr val="tx1"/>
+                </a:solidFill>
+              </a:ln>
+            </p:spPr>
+            <p:style>
+              <a:lnRef idx="1">
+                <a:schemeClr val="accent1"/>
+              </a:lnRef>
+              <a:fillRef idx="0">
+                <a:schemeClr val="accent1"/>
+              </a:fillRef>
+              <a:effectRef idx="0">
+                <a:schemeClr val="accent1"/>
+              </a:effectRef>
+              <a:fontRef idx="minor">
+                <a:schemeClr val="tx1"/>
+              </a:fontRef>
+            </p:style>
+          </p:cxnSp>
+          <p:cxnSp>
+            <p:nvCxnSpPr>
+              <p:cNvPr id="48" name="Connecteur droit 47"/>
+              <p:cNvCxnSpPr/>
+              <p:nvPr/>
+            </p:nvCxnSpPr>
+            <p:spPr>
+              <a:xfrm flipV="1">
+                <a:off x="3707904" y="3068960"/>
+                <a:ext cx="720080" cy="720080"/>
+              </a:xfrm>
+              <a:prstGeom prst="line">
+                <a:avLst/>
+              </a:prstGeom>
+              <a:ln w="19050">
+                <a:solidFill>
+                  <a:schemeClr val="tx1"/>
+                </a:solidFill>
+              </a:ln>
+            </p:spPr>
+            <p:style>
+              <a:lnRef idx="1">
+                <a:schemeClr val="accent1"/>
+              </a:lnRef>
+              <a:fillRef idx="0">
+                <a:schemeClr val="accent1"/>
+              </a:fillRef>
+              <a:effectRef idx="0">
+                <a:schemeClr val="accent1"/>
+              </a:effectRef>
+              <a:fontRef idx="minor">
+                <a:schemeClr val="tx1"/>
+              </a:fontRef>
+            </p:style>
+          </p:cxnSp>
+        </p:grpSp>
+        <p:sp>
+          <p:nvSpPr>
+            <p:cNvPr id="49" name="ZoneTexte 48"/>
+            <p:cNvSpPr txBox="1"/>
+            <p:nvPr/>
+          </p:nvSpPr>
+          <p:spPr>
+            <a:xfrm>
+              <a:off x="4499992" y="5301208"/>
+              <a:ext cx="2592288" cy="523220"/>
+            </a:xfrm>
+            <a:prstGeom prst="rect">
+              <a:avLst/>
+            </a:prstGeom>
+            <a:noFill/>
+          </p:spPr>
+          <p:txBody>
+            <a:bodyPr wrap="square" rtlCol="0">
+              <a:spAutoFit/>
+            </a:bodyPr>
+            <a:lstStyle/>
+            <a:p>
+              <a:r>
+                <a:rPr lang="de-CH" sz="1400" smtClean="0"/>
+                <a:t>Tutor 3  ♂</a:t>
+              </a:r>
+            </a:p>
+            <a:p>
+              <a:r>
+                <a:rPr lang="de-CH" sz="1400" smtClean="0"/>
+                <a:t>ESE  UNIBE  5</a:t>
+              </a:r>
+              <a:endParaRPr lang="de-CH" sz="1400"/>
+            </a:p>
+          </p:txBody>
+        </p:sp>
+        <p:sp>
+          <p:nvSpPr>
+            <p:cNvPr id="51" name="Étoile à 5 branches 50"/>
+            <p:cNvSpPr/>
+            <p:nvPr/>
+          </p:nvSpPr>
+          <p:spPr>
+            <a:xfrm>
+              <a:off x="4572000" y="5805264"/>
+              <a:ext cx="283532" cy="216024"/>
+            </a:xfrm>
+            <a:prstGeom prst="star5">
+              <a:avLst/>
+            </a:prstGeom>
+            <a:solidFill>
+              <a:srgbClr val="FFC000"/>
+            </a:solidFill>
+            <a:ln>
+              <a:solidFill>
+                <a:schemeClr val="accent6">
+                  <a:lumMod val="75000"/>
+                </a:schemeClr>
+              </a:solidFill>
+            </a:ln>
+          </p:spPr>
+          <p:style>
+            <a:lnRef idx="2">
+              <a:schemeClr val="accent1">
+                <a:shade val="50000"/>
+              </a:schemeClr>
+            </a:lnRef>
+            <a:fillRef idx="1">
+              <a:schemeClr val="accent1"/>
+            </a:fillRef>
+            <a:effectRef idx="0">
+              <a:schemeClr val="accent1"/>
+            </a:effectRef>
+            <a:fontRef idx="minor">
+              <a:schemeClr val="lt1"/>
+            </a:fontRef>
+          </p:style>
+          <p:txBody>
+            <a:bodyPr rtlCol="0" anchor="ctr"/>
+            <a:lstStyle/>
+            <a:p>
+              <a:pPr algn="ctr"/>
+              <a:endParaRPr lang="de-CH"/>
+            </a:p>
+          </p:txBody>
+        </p:sp>
+        <p:sp>
+          <p:nvSpPr>
+            <p:cNvPr id="52" name="ZoneTexte 51"/>
+            <p:cNvSpPr txBox="1"/>
+            <p:nvPr/>
+          </p:nvSpPr>
+          <p:spPr>
+            <a:xfrm>
+              <a:off x="4860032" y="5733256"/>
+              <a:ext cx="648072" cy="369332"/>
+            </a:xfrm>
+            <a:prstGeom prst="rect">
+              <a:avLst/>
+            </a:prstGeom>
+            <a:noFill/>
+          </p:spPr>
+          <p:txBody>
+            <a:bodyPr wrap="square" rtlCol="0">
+              <a:spAutoFit/>
+            </a:bodyPr>
+            <a:lstStyle/>
+            <a:p>
+              <a:r>
+                <a:rPr lang="de-CH" smtClean="0"/>
+                <a:t>5.4</a:t>
+              </a:r>
+              <a:endParaRPr lang="de-CH"/>
+            </a:p>
+          </p:txBody>
+        </p:sp>
+      </p:grpSp>
       <p:sp>
         <p:nvSpPr>
           <p:cNvPr id="19" name="Rectangle 18">
-            <a:hlinkClick r:id="rId2" action="ppaction://hlinksldjump"/>
+            <a:hlinkClick r:id="rId3" action="ppaction://hlinksldjump"/>
           </p:cNvPr>
           <p:cNvSpPr/>
           <p:nvPr/>
@@ -6468,7 +6846,7 @@
       <p:sp>
         <p:nvSpPr>
           <p:cNvPr id="15" name="Rectangle à coins arrondis 14">
-            <a:hlinkClick r:id="rId3" action="ppaction://hlinksldjump"/>
+            <a:hlinkClick r:id="rId4" action="ppaction://hlinksldjump"/>
           </p:cNvPr>
           <p:cNvSpPr/>
           <p:nvPr/>
@@ -6517,7 +6895,7 @@
       <p:sp>
         <p:nvSpPr>
           <p:cNvPr id="16" name="Rectangle à coins arrondis 15">
-            <a:hlinkClick r:id="rId4" action="ppaction://hlinksldjump"/>
+            <a:hlinkClick r:id="rId5" action="ppaction://hlinksldjump"/>
           </p:cNvPr>
           <p:cNvSpPr/>
           <p:nvPr/>
@@ -6563,7 +6941,7 @@
       <p:sp>
         <p:nvSpPr>
           <p:cNvPr id="17" name="Rectangle à coins arrondis 16">
-            <a:hlinkClick r:id="rId5" action="ppaction://hlinksldjump"/>
+            <a:hlinkClick r:id="rId6" action="ppaction://hlinksldjump"/>
           </p:cNvPr>
           <p:cNvSpPr/>
           <p:nvPr/>
@@ -6608,33 +6986,35 @@
       </p:sp>
       <p:sp>
         <p:nvSpPr>
-          <p:cNvPr id="18" name="Rectangle 17">
-            <a:hlinkClick r:id="rId6" action="ppaction://hlinksldjump"/>
+          <p:cNvPr id="35" name="Rectangle à coins arrondis 34">
+            <a:hlinkClick r:id="rId7" action="ppaction://hlinksldjump"/>
           </p:cNvPr>
           <p:cNvSpPr/>
           <p:nvPr/>
         </p:nvSpPr>
         <p:spPr>
           <a:xfrm>
-            <a:off x="7236296" y="3356992"/>
-            <a:ext cx="1008112" cy="288032"/>
-          </a:xfrm>
-          <a:prstGeom prst="rect">
+            <a:off x="6012160" y="3212976"/>
+            <a:ext cx="1008112" cy="360040"/>
+          </a:xfrm>
+          <a:prstGeom prst="roundRect">
             <a:avLst/>
           </a:prstGeom>
           <a:solidFill>
-            <a:schemeClr val="accent1">
-              <a:alpha val="52000"/>
-            </a:schemeClr>
+            <a:srgbClr val="75C327"/>
           </a:solidFill>
           <a:ln>
             <a:solidFill>
-              <a:schemeClr val="accent1">
-                <a:shade val="50000"/>
-                <a:alpha val="0"/>
-              </a:schemeClr>
+              <a:srgbClr val="66AA22"/>
             </a:solidFill>
           </a:ln>
+          <a:scene3d>
+            <a:camera prst="orthographicFront"/>
+            <a:lightRig rig="threePt" dir="t"/>
+          </a:scene3d>
+          <a:sp3d>
+            <a:bevelT/>
+          </a:sp3d>
         </p:spPr>
         <p:style>
           <a:lnRef idx="2">
@@ -6657,7 +7037,157 @@
           <a:lstStyle/>
           <a:p>
             <a:pPr algn="ctr"/>
-            <a:endParaRPr lang="de-CH"/>
+            <a:r>
+              <a:rPr lang="de-CH" smtClean="0">
+                <a:solidFill>
+                  <a:sysClr val="windowText" lastClr="000000"/>
+                </a:solidFill>
+              </a:rPr>
+              <a:t>Profile</a:t>
+            </a:r>
+            <a:endParaRPr lang="de-CH">
+              <a:solidFill>
+                <a:sysClr val="windowText" lastClr="000000"/>
+              </a:solidFill>
+            </a:endParaRPr>
+          </a:p>
+        </p:txBody>
+      </p:sp>
+      <p:sp>
+        <p:nvSpPr>
+          <p:cNvPr id="44" name="Rectangle à coins arrondis 43">
+            <a:hlinkClick r:id="rId7" action="ppaction://hlinksldjump"/>
+          </p:cNvPr>
+          <p:cNvSpPr/>
+          <p:nvPr/>
+        </p:nvSpPr>
+        <p:spPr>
+          <a:xfrm>
+            <a:off x="6012160" y="4293096"/>
+            <a:ext cx="1008112" cy="360040"/>
+          </a:xfrm>
+          <a:prstGeom prst="roundRect">
+            <a:avLst/>
+          </a:prstGeom>
+          <a:solidFill>
+            <a:srgbClr val="75C327"/>
+          </a:solidFill>
+          <a:ln>
+            <a:solidFill>
+              <a:srgbClr val="66AA22"/>
+            </a:solidFill>
+          </a:ln>
+          <a:scene3d>
+            <a:camera prst="orthographicFront"/>
+            <a:lightRig rig="threePt" dir="t"/>
+          </a:scene3d>
+          <a:sp3d>
+            <a:bevelT/>
+          </a:sp3d>
+        </p:spPr>
+        <p:style>
+          <a:lnRef idx="2">
+            <a:schemeClr val="accent1">
+              <a:shade val="50000"/>
+            </a:schemeClr>
+          </a:lnRef>
+          <a:fillRef idx="1">
+            <a:schemeClr val="accent1"/>
+          </a:fillRef>
+          <a:effectRef idx="0">
+            <a:schemeClr val="accent1"/>
+          </a:effectRef>
+          <a:fontRef idx="minor">
+            <a:schemeClr val="lt1"/>
+          </a:fontRef>
+        </p:style>
+        <p:txBody>
+          <a:bodyPr rtlCol="0" anchor="ctr"/>
+          <a:lstStyle/>
+          <a:p>
+            <a:pPr algn="ctr"/>
+            <a:r>
+              <a:rPr lang="de-CH" smtClean="0">
+                <a:solidFill>
+                  <a:sysClr val="windowText" lastClr="000000"/>
+                </a:solidFill>
+              </a:rPr>
+              <a:t>Profile</a:t>
+            </a:r>
+            <a:endParaRPr lang="de-CH">
+              <a:solidFill>
+                <a:sysClr val="windowText" lastClr="000000"/>
+              </a:solidFill>
+            </a:endParaRPr>
+          </a:p>
+        </p:txBody>
+      </p:sp>
+      <p:sp>
+        <p:nvSpPr>
+          <p:cNvPr id="53" name="Rectangle à coins arrondis 52">
+            <a:hlinkClick r:id="rId7" action="ppaction://hlinksldjump"/>
+          </p:cNvPr>
+          <p:cNvSpPr/>
+          <p:nvPr/>
+        </p:nvSpPr>
+        <p:spPr>
+          <a:xfrm>
+            <a:off x="6012160" y="5445224"/>
+            <a:ext cx="1008112" cy="360040"/>
+          </a:xfrm>
+          <a:prstGeom prst="roundRect">
+            <a:avLst/>
+          </a:prstGeom>
+          <a:solidFill>
+            <a:srgbClr val="75C327"/>
+          </a:solidFill>
+          <a:ln>
+            <a:solidFill>
+              <a:srgbClr val="66AA22"/>
+            </a:solidFill>
+          </a:ln>
+          <a:scene3d>
+            <a:camera prst="orthographicFront"/>
+            <a:lightRig rig="threePt" dir="t"/>
+          </a:scene3d>
+          <a:sp3d>
+            <a:bevelT/>
+          </a:sp3d>
+        </p:spPr>
+        <p:style>
+          <a:lnRef idx="2">
+            <a:schemeClr val="accent1">
+              <a:shade val="50000"/>
+            </a:schemeClr>
+          </a:lnRef>
+          <a:fillRef idx="1">
+            <a:schemeClr val="accent1"/>
+          </a:fillRef>
+          <a:effectRef idx="0">
+            <a:schemeClr val="accent1"/>
+          </a:effectRef>
+          <a:fontRef idx="minor">
+            <a:schemeClr val="lt1"/>
+          </a:fontRef>
+        </p:style>
+        <p:txBody>
+          <a:bodyPr rtlCol="0" anchor="ctr"/>
+          <a:lstStyle/>
+          <a:p>
+            <a:pPr algn="ctr"/>
+            <a:r>
+              <a:rPr lang="de-CH" smtClean="0">
+                <a:solidFill>
+                  <a:sysClr val="windowText" lastClr="000000"/>
+                </a:solidFill>
+              </a:rPr>
+              <a:t>Profile</a:t>
+            </a:r>
+            <a:endParaRPr lang="de-CH">
+              <a:solidFill>
+                <a:sysClr val="windowText" lastClr="000000"/>
+              </a:solidFill>
+            </a:endParaRPr>
           </a:p>
         </p:txBody>
       </p:sp>
@@ -7338,7 +7868,7 @@
         </p:nvSpPr>
         <p:spPr>
           <a:xfrm>
-            <a:off x="323528" y="5373216"/>
+            <a:off x="6804248" y="5949280"/>
             <a:ext cx="1800200" cy="504056"/>
           </a:xfrm>
           <a:prstGeom prst="roundRect">
@@ -8103,6 +8633,102 @@
               <a:t>Account</a:t>
             </a:r>
             <a:endParaRPr lang="de-CH"/>
+          </a:p>
+        </p:txBody>
+      </p:sp>
+      <p:sp>
+        <p:nvSpPr>
+          <p:cNvPr id="37" name="ZoneTexte 36"/>
+          <p:cNvSpPr txBox="1"/>
+          <p:nvPr/>
+        </p:nvSpPr>
+        <p:spPr>
+          <a:xfrm>
+            <a:off x="179512" y="5157192"/>
+            <a:ext cx="3600400" cy="1477328"/>
+          </a:xfrm>
+          <a:prstGeom prst="rect">
+            <a:avLst/>
+          </a:prstGeom>
+          <a:noFill/>
+        </p:spPr>
+        <p:txBody>
+          <a:bodyPr wrap="square" rtlCol="0">
+            <a:spAutoFit/>
+          </a:bodyPr>
+          <a:lstStyle/>
+          <a:p>
+            <a:r>
+              <a:rPr lang="de-CH" sz="1000" smtClean="0"/>
+              <a:t>Description Place Holder  Description </a:t>
+            </a:r>
+            <a:r>
+              <a:rPr lang="de-CH" sz="1000" smtClean="0"/>
+              <a:t>Place </a:t>
+            </a:r>
+            <a:r>
+              <a:rPr lang="de-CH" sz="1000" smtClean="0"/>
+              <a:t>Holder Description </a:t>
+            </a:r>
+            <a:r>
+              <a:rPr lang="de-CH" sz="1000" smtClean="0"/>
+              <a:t>Place </a:t>
+            </a:r>
+            <a:r>
+              <a:rPr lang="de-CH" sz="1000" smtClean="0"/>
+              <a:t>Holder Description </a:t>
+            </a:r>
+            <a:r>
+              <a:rPr lang="de-CH" sz="1000" smtClean="0"/>
+              <a:t>Place </a:t>
+            </a:r>
+            <a:r>
+              <a:rPr lang="de-CH" sz="1000" smtClean="0"/>
+              <a:t>Holder Description </a:t>
+            </a:r>
+            <a:r>
+              <a:rPr lang="de-CH" sz="1000" smtClean="0"/>
+              <a:t>Place </a:t>
+            </a:r>
+            <a:r>
+              <a:rPr lang="de-CH" sz="1000" smtClean="0"/>
+              <a:t>Holder Description </a:t>
+            </a:r>
+            <a:r>
+              <a:rPr lang="de-CH" sz="1000" smtClean="0"/>
+              <a:t>Place </a:t>
+            </a:r>
+            <a:r>
+              <a:rPr lang="de-CH" sz="1000" smtClean="0"/>
+              <a:t>Holder</a:t>
+            </a:r>
+            <a:r>
+              <a:rPr lang="de-CH" sz="1000" smtClean="0"/>
+              <a:t>Description Place Holder  Description Place Holder Description Place Holder Description Place Holder Description Place Holder Description </a:t>
+            </a:r>
+            <a:r>
+              <a:rPr lang="de-CH" sz="1000" smtClean="0"/>
+              <a:t>Place </a:t>
+            </a:r>
+            <a:r>
+              <a:rPr lang="de-CH" sz="1000" smtClean="0"/>
+              <a:t>Holder Description </a:t>
+            </a:r>
+            <a:r>
+              <a:rPr lang="de-CH" sz="1000" smtClean="0"/>
+              <a:t>Place Holder  Description Place Holder Description Place Holder Description Place Holder Description Place Holder </a:t>
+            </a:r>
+            <a:r>
+              <a:rPr lang="de-CH" sz="1000" smtClean="0"/>
+              <a:t>Description </a:t>
+            </a:r>
+            <a:endParaRPr lang="de-CH" sz="1000" smtClean="0"/>
+          </a:p>
+          <a:p>
+            <a:endParaRPr lang="de-CH" sz="1000" smtClean="0"/>
+          </a:p>
+          <a:p>
+            <a:endParaRPr lang="de-CH" sz="1000"/>
           </a:p>
         </p:txBody>
       </p:sp>
@@ -8929,6 +9555,63 @@
             <a:r>
               <a:rPr lang="de-CH" smtClean="0"/>
               <a:t>Account</a:t>
+            </a:r>
+            <a:endParaRPr lang="de-CH"/>
+          </a:p>
+        </p:txBody>
+      </p:sp>
+      <p:sp>
+        <p:nvSpPr>
+          <p:cNvPr id="22" name="Rectangle à coins arrondis 21"/>
+          <p:cNvSpPr/>
+          <p:nvPr/>
+        </p:nvSpPr>
+        <p:spPr>
+          <a:xfrm>
+            <a:off x="7812360" y="4221088"/>
+            <a:ext cx="1008112" cy="1080120"/>
+          </a:xfrm>
+          <a:prstGeom prst="roundRect">
+            <a:avLst/>
+          </a:prstGeom>
+          <a:solidFill>
+            <a:schemeClr val="tx1">
+              <a:lumMod val="50000"/>
+              <a:lumOff val="50000"/>
+            </a:schemeClr>
+          </a:solidFill>
+          <a:scene3d>
+            <a:camera prst="orthographicFront"/>
+            <a:lightRig rig="threePt" dir="t"/>
+          </a:scene3d>
+          <a:sp3d>
+            <a:bevelT/>
+          </a:sp3d>
+        </p:spPr>
+        <p:style>
+          <a:lnRef idx="2">
+            <a:schemeClr val="accent1">
+              <a:shade val="50000"/>
+            </a:schemeClr>
+          </a:lnRef>
+          <a:fillRef idx="1">
+            <a:schemeClr val="accent1"/>
+          </a:fillRef>
+          <a:effectRef idx="0">
+            <a:schemeClr val="accent1"/>
+          </a:effectRef>
+          <a:fontRef idx="minor">
+            <a:schemeClr val="lt1"/>
+          </a:fontRef>
+        </p:style>
+        <p:txBody>
+          <a:bodyPr rtlCol="0" anchor="ctr"/>
+          <a:lstStyle/>
+          <a:p>
+            <a:pPr algn="ctr"/>
+            <a:r>
+              <a:rPr lang="de-CH" smtClean="0"/>
+              <a:t>Add Lecture</a:t>
             </a:r>
             <a:endParaRPr lang="de-CH"/>
           </a:p>
